--- a/NEWS CLASSIFIER.pptx
+++ b/NEWS CLASSIFIER.pptx
@@ -117,6 +117,11 @@
       </a:defRPr>
     </a:lvl9pPr>
   </p:defaultTextStyle>
+  <p:extLst>
+    <p:ext uri="{EFAFB233-063F-42B5-8137-9DF3F51BA10A}">
+      <p15:sldGuideLst xmlns:p15="http://schemas.microsoft.com/office/powerpoint/2012/main"/>
+    </p:ext>
+  </p:extLst>
 </p:presentation>
 </file>
 
@@ -3473,6 +3478,41 @@
             <a:r>
               <a:rPr lang="en-IN" sz="2800" dirty="0"/>
               <a:t>Group : Delta</a:t>
+            </a:r>
+          </a:p>
+        </p:txBody>
+      </p:sp>
+      <p:sp>
+        <p:nvSpPr>
+          <p:cNvPr id="5" name="TextBox 4">
+            <a:extLst>
+              <a:ext uri="{FF2B5EF4-FFF2-40B4-BE49-F238E27FC236}">
+                <a16:creationId xmlns:a16="http://schemas.microsoft.com/office/drawing/2014/main" id="{5DF4A8B1-23C4-416F-8DB6-1DED1CB45879}"/>
+              </a:ext>
+            </a:extLst>
+          </p:cNvPr>
+          <p:cNvSpPr txBox="1"/>
+          <p:nvPr/>
+        </p:nvSpPr>
+        <p:spPr>
+          <a:xfrm>
+            <a:off x="3392557" y="4373217"/>
+            <a:ext cx="6016486" cy="369332"/>
+          </a:xfrm>
+          <a:prstGeom prst="rect">
+            <a:avLst/>
+          </a:prstGeom>
+          <a:noFill/>
+        </p:spPr>
+        <p:txBody>
+          <a:bodyPr wrap="square" rtlCol="0">
+            <a:spAutoFit/>
+          </a:bodyPr>
+          <a:lstStyle/>
+          <a:p>
+            <a:r>
+              <a:rPr lang="en-IN" dirty="0"/>
+              <a:t>Git link: https://github.com/mmrkavya/newspaper/tree/TEST</a:t>
             </a:r>
           </a:p>
         </p:txBody>
